--- a/Beer EDA.pptx
+++ b/Beer EDA.pptx
@@ -4798,7 +4798,7 @@
         </p:blipFill>
         <p:spPr>
           <a:xfrm>
-            <a:off x="20" y="10"/>
+            <a:off x="-3155" y="0"/>
             <a:ext cx="12191980" cy="6857990"/>
           </a:xfrm>
           <a:prstGeom prst="rect">
@@ -4820,8 +4820,8 @@
         </p:nvSpPr>
         <p:spPr>
           <a:xfrm>
-            <a:off x="1693628" y="3896139"/>
-            <a:ext cx="9843715" cy="2862322"/>
+            <a:off x="1661823" y="3156668"/>
+            <a:ext cx="9843715" cy="3970318"/>
           </a:xfrm>
           <a:prstGeom prst="rect">
             <a:avLst/>
@@ -4880,6 +4880,18 @@
               </a:rPr>
               <a:t> &amp; Quynh Chau</a:t>
             </a:r>
+          </a:p>
+          <a:p>
+            <a:pPr algn="ctr"/>
+            <a:r>
+              <a:rPr lang="en-US" sz="3600" dirty="0">
+                <a:hlinkClick r:id="rId3"/>
+              </a:rPr>
+              <a:t>https://www.youtube.com/watch?v=zgm2Ei5918E&amp;feature=youtu.be</a:t>
+            </a:r>
+            <a:endParaRPr lang="en-US" sz="3600" dirty="0">
+              <a:latin typeface="Bookman Old Style" panose="02050604050505020204" pitchFamily="18" charset="0"/>
+            </a:endParaRPr>
           </a:p>
           <a:p>
             <a:endParaRPr lang="en-US" sz="3600" dirty="0">
@@ -5377,8 +5389,8 @@
           </a:fontRef>
         </p:style>
       </p:pic>
-      <mc:AlternateContent xmlns:mc="http://schemas.openxmlformats.org/markup-compatibility/2006">
-        <mc:Choice xmlns:p14="http://schemas.microsoft.com/office/powerpoint/2010/main" Requires="p14">
+      <mc:AlternateContent xmlns:mc="http://schemas.openxmlformats.org/markup-compatibility/2006" xmlns:p14="http://schemas.microsoft.com/office/powerpoint/2010/main">
+        <mc:Choice Requires="p14">
           <p:contentPart p14:bwMode="auto" r:id="rId3">
             <p14:nvContentPartPr>
               <p14:cNvPr id="9" name="Ink 8">
@@ -5397,7 +5409,7 @@
             </p14:xfrm>
           </p:contentPart>
         </mc:Choice>
-        <mc:Fallback>
+        <mc:Fallback xmlns="">
           <p:pic>
             <p:nvPicPr>
               <p:cNvPr id="9" name="Ink 8">
@@ -5428,8 +5440,8 @@
           </p:pic>
         </mc:Fallback>
       </mc:AlternateContent>
-      <mc:AlternateContent xmlns:mc="http://schemas.openxmlformats.org/markup-compatibility/2006">
-        <mc:Choice xmlns:p14="http://schemas.microsoft.com/office/powerpoint/2010/main" Requires="p14">
+      <mc:AlternateContent xmlns:mc="http://schemas.openxmlformats.org/markup-compatibility/2006" xmlns:p14="http://schemas.microsoft.com/office/powerpoint/2010/main">
+        <mc:Choice Requires="p14">
           <p:contentPart p14:bwMode="auto" r:id="rId5">
             <p14:nvContentPartPr>
               <p14:cNvPr id="11" name="Ink 10">
@@ -5448,7 +5460,7 @@
             </p14:xfrm>
           </p:contentPart>
         </mc:Choice>
-        <mc:Fallback>
+        <mc:Fallback xmlns="">
           <p:pic>
             <p:nvPicPr>
               <p:cNvPr id="11" name="Ink 10">
@@ -5520,8 +5532,8 @@
           </a:fontRef>
         </p:style>
       </p:cxnSp>
-      <mc:AlternateContent xmlns:mc="http://schemas.openxmlformats.org/markup-compatibility/2006">
-        <mc:Choice xmlns:p14="http://schemas.microsoft.com/office/powerpoint/2010/main" Requires="p14">
+      <mc:AlternateContent xmlns:mc="http://schemas.openxmlformats.org/markup-compatibility/2006" xmlns:p14="http://schemas.microsoft.com/office/powerpoint/2010/main">
+        <mc:Choice Requires="p14">
           <p:contentPart p14:bwMode="auto" r:id="rId7">
             <p14:nvContentPartPr>
               <p14:cNvPr id="21" name="Ink 20">
@@ -5540,7 +5552,7 @@
             </p14:xfrm>
           </p:contentPart>
         </mc:Choice>
-        <mc:Fallback>
+        <mc:Fallback xmlns="">
           <p:pic>
             <p:nvPicPr>
               <p:cNvPr id="21" name="Ink 20">
